--- a/draft/summary_presentation.pptx
+++ b/draft/summary_presentation.pptx
@@ -2838,6 +2838,180 @@
           </a:p>
         </p:txBody>
       </p:sp>
+      <p:sp>
+        <p:nvSpPr>
+          <p:cNvPr id="121" name="Shape 121"/>
+          <p:cNvSpPr/>
+          <p:nvPr/>
+        </p:nvSpPr>
+        <p:spPr>
+          <a:xfrm>
+            <a:off x="3230276" y="7150099"/>
+            <a:ext cx="3343848" cy="787401"/>
+          </a:xfrm>
+          <a:prstGeom prst="rect">
+            <a:avLst/>
+          </a:prstGeom>
+          <a:ln w="12700">
+            <a:miter lim="400000"/>
+          </a:ln>
+          <a:extLst>
+            <a:ext uri="{C572A759-6A51-4108-AA02-DFA0A04FC94B}">
+              <ma14:wrappingTextBoxFlag xmlns:ma14="http://schemas.microsoft.com/office/mac/drawingml/2011/main" val="1"/>
+            </a:ext>
+          </a:extLst>
+        </p:spPr>
+        <p:txBody>
+          <a:bodyPr wrap="none" lIns="50800" tIns="50800" rIns="50800" bIns="50800" anchor="ctr">
+            <a:spAutoFit/>
+          </a:bodyPr>
+          <a:lstStyle>
+            <a:lvl1pPr>
+              <a:defRPr sz="4500">
+                <a:solidFill>
+                  <a:srgbClr val="00FDFF"/>
+                </a:solidFill>
+              </a:defRPr>
+            </a:lvl1pPr>
+          </a:lstStyle>
+          <a:p>
+            <a:pPr lvl="0">
+              <a:defRPr sz="1800">
+                <a:solidFill>
+                  <a:srgbClr val="000000"/>
+                </a:solidFill>
+              </a:defRPr>
+            </a:pPr>
+            <a:r>
+              <a:rPr sz="4500">
+                <a:solidFill>
+                  <a:srgbClr val="00FDFF"/>
+                </a:solidFill>
+              </a:rPr>
+              <a:t>getting there</a:t>
+            </a:r>
+          </a:p>
+        </p:txBody>
+      </p:sp>
+      <p:sp>
+        <p:nvSpPr>
+          <p:cNvPr id="122" name="Shape 122"/>
+          <p:cNvSpPr/>
+          <p:nvPr/>
+        </p:nvSpPr>
+        <p:spPr>
+          <a:xfrm>
+            <a:off x="7654607" y="7150100"/>
+            <a:ext cx="2337436" cy="787401"/>
+          </a:xfrm>
+          <a:prstGeom prst="rect">
+            <a:avLst/>
+          </a:prstGeom>
+          <a:ln w="12700">
+            <a:miter lim="400000"/>
+          </a:ln>
+          <a:extLst>
+            <a:ext uri="{C572A759-6A51-4108-AA02-DFA0A04FC94B}">
+              <ma14:wrappingTextBoxFlag xmlns:ma14="http://schemas.microsoft.com/office/mac/drawingml/2011/main" val="1"/>
+            </a:ext>
+          </a:extLst>
+        </p:spPr>
+        <p:txBody>
+          <a:bodyPr wrap="none" lIns="50800" tIns="50800" rIns="50800" bIns="50800" anchor="ctr">
+            <a:spAutoFit/>
+          </a:bodyPr>
+          <a:lstStyle>
+            <a:lvl1pPr>
+              <a:defRPr sz="4500">
+                <a:solidFill>
+                  <a:srgbClr val="00FDFF"/>
+                </a:solidFill>
+              </a:defRPr>
+            </a:lvl1pPr>
+          </a:lstStyle>
+          <a:p>
+            <a:pPr lvl="0">
+              <a:defRPr sz="1800">
+                <a:solidFill>
+                  <a:srgbClr val="000000"/>
+                </a:solidFill>
+              </a:defRPr>
+            </a:pPr>
+            <a:r>
+              <a:rPr sz="4500">
+                <a:solidFill>
+                  <a:srgbClr val="00FDFF"/>
+                </a:solidFill>
+              </a:rPr>
+              <a:t>enabling</a:t>
+            </a:r>
+          </a:p>
+        </p:txBody>
+      </p:sp>
+      <p:sp>
+        <p:nvSpPr>
+          <p:cNvPr id="123" name="Shape 123"/>
+          <p:cNvSpPr/>
+          <p:nvPr/>
+        </p:nvSpPr>
+        <p:spPr>
+          <a:xfrm flipH="1" flipV="1">
+            <a:off x="4892939" y="5888030"/>
+            <a:ext cx="1" cy="1112276"/>
+          </a:xfrm>
+          <a:prstGeom prst="line">
+            <a:avLst/>
+          </a:prstGeom>
+          <a:ln w="38100">
+            <a:solidFill>
+              <a:srgbClr val="FFFB00"/>
+            </a:solidFill>
+            <a:miter lim="400000"/>
+            <a:tailEnd type="triangle"/>
+          </a:ln>
+        </p:spPr>
+        <p:txBody>
+          <a:bodyPr lIns="0" tIns="0" rIns="0" bIns="0" anchor="ctr"/>
+          <a:lstStyle/>
+          <a:p>
+            <a:pPr lvl="0">
+              <a:defRPr sz="2400"/>
+            </a:pPr>
+          </a:p>
+        </p:txBody>
+      </p:sp>
+      <p:sp>
+        <p:nvSpPr>
+          <p:cNvPr id="124" name="Shape 124"/>
+          <p:cNvSpPr/>
+          <p:nvPr/>
+        </p:nvSpPr>
+        <p:spPr>
+          <a:xfrm flipV="1">
+            <a:off x="8823325" y="5888030"/>
+            <a:ext cx="1" cy="1112276"/>
+          </a:xfrm>
+          <a:prstGeom prst="line">
+            <a:avLst/>
+          </a:prstGeom>
+          <a:ln w="38100">
+            <a:solidFill>
+              <a:srgbClr val="FFFB00"/>
+            </a:solidFill>
+            <a:miter lim="400000"/>
+            <a:tailEnd type="triangle"/>
+          </a:ln>
+        </p:spPr>
+        <p:txBody>
+          <a:bodyPr lIns="0" tIns="0" rIns="0" bIns="0" anchor="ctr"/>
+          <a:lstStyle/>
+          <a:p>
+            <a:pPr lvl="0">
+              <a:defRPr sz="2400"/>
+            </a:pPr>
+          </a:p>
+        </p:txBody>
+      </p:sp>
     </p:spTree>
   </p:cSld>
   <p:clrMapOvr>
@@ -3116,7 +3290,7 @@
                   <a:srgbClr val="26E9FF"/>
                 </a:solidFill>
               </a:rPr>
-              <a:t>“50% of people show signs at 14 years old  diagnosed with a mental disorder show signs of the disease by age 14, 75% by age 25.”</a:t>
+              <a:t>“50% of people diagnosed with a mental disorder show signs of the disease by age 14, 75% by age 25.”</a:t>
             </a:r>
             <a:endParaRPr sz="2800">
               <a:solidFill>

--- a/draft/summary_presentation.pptx
+++ b/draft/summary_presentation.pptx
@@ -2559,76 +2559,14 @@
       </p:grpSpPr>
       <p:sp>
         <p:nvSpPr>
-          <p:cNvPr id="113" name="Shape 113"/>
-          <p:cNvSpPr/>
-          <p:nvPr>
-            <p:ph type="title"/>
-          </p:nvPr>
-        </p:nvSpPr>
-        <p:spPr>
-          <a:prstGeom prst="rect">
-            <a:avLst/>
-          </a:prstGeom>
-        </p:spPr>
-        <p:txBody>
-          <a:bodyPr/>
-          <a:lstStyle/>
-          <a:p>
-            <a:pPr lvl="0">
-              <a:defRPr sz="1800">
-                <a:solidFill>
-                  <a:srgbClr val="000000"/>
-                </a:solidFill>
-              </a:defRPr>
-            </a:pPr>
-            <a:r>
-              <a:rPr sz="8000">
-                <a:solidFill>
-                  <a:srgbClr val="FFFB00"/>
-                </a:solidFill>
-              </a:rPr>
-              <a:t>Resolution</a:t>
-            </a:r>
-          </a:p>
-        </p:txBody>
-      </p:sp>
-      <p:pic>
-        <p:nvPicPr>
-          <p:cNvPr id="114" name="pasted-image.pdf"/>
-          <p:cNvPicPr/>
-          <p:nvPr/>
-        </p:nvPicPr>
-        <p:blipFill>
-          <a:blip r:embed="rId2">
-            <a:extLst/>
-          </a:blip>
-          <a:stretch>
-            <a:fillRect/>
-          </a:stretch>
-        </p:blipFill>
-        <p:spPr>
-          <a:xfrm>
-            <a:off x="130979" y="3585585"/>
-            <a:ext cx="3924301" cy="3492501"/>
-          </a:xfrm>
-          <a:prstGeom prst="rect">
-            <a:avLst/>
-          </a:prstGeom>
-          <a:ln w="12700">
-            <a:miter lim="400000"/>
-          </a:ln>
-        </p:spPr>
-      </p:pic>
-      <p:sp>
-        <p:nvSpPr>
-          <p:cNvPr id="115" name="Shape 115"/>
+          <p:cNvPr id="103" name="Shape 103"/>
           <p:cNvSpPr/>
           <p:nvPr/>
         </p:nvSpPr>
         <p:spPr>
           <a:xfrm>
-            <a:off x="4559585" y="4140199"/>
-            <a:ext cx="685230" cy="787401"/>
+            <a:off x="649064" y="3778250"/>
+            <a:ext cx="11706672" cy="3924301"/>
           </a:xfrm>
           <a:prstGeom prst="rect">
             <a:avLst/>
@@ -2643,237 +2581,83 @@
           </a:extLst>
         </p:spPr>
         <p:txBody>
-          <a:bodyPr wrap="none" lIns="50800" tIns="50800" rIns="50800" bIns="50800" anchor="ctr">
+          <a:bodyPr lIns="50800" tIns="50800" rIns="50800" bIns="50800" anchor="ctr">
             <a:spAutoFit/>
           </a:bodyPr>
-          <a:lstStyle>
-            <a:lvl1pPr>
-              <a:defRPr sz="4500">
+          <a:lstStyle/>
+          <a:p>
+            <a:pPr lvl="0" marL="444500" indent="-444500" algn="l">
+              <a:buSzPct val="75000"/>
+              <a:buChar char="•"/>
+              <a:defRPr sz="1800"/>
+            </a:pPr>
+            <a:r>
+              <a:rPr sz="3600">
                 <a:solidFill>
                   <a:srgbClr val="00FDFF"/>
                 </a:solidFill>
-              </a:defRPr>
-            </a:lvl1pPr>
-          </a:lstStyle>
-          <a:p>
-            <a:pPr lvl="0">
-              <a:defRPr sz="1800">
-                <a:solidFill>
-                  <a:srgbClr val="000000"/>
-                </a:solidFill>
-              </a:defRPr>
-            </a:pPr>
-            <a:r>
-              <a:rPr sz="4500">
+              </a:rPr>
+              <a:t>There now exists an open source implementation of QDA for gender classification on human connectome estimates </a:t>
+            </a:r>
+            <a:endParaRPr sz="3600">
+              <a:solidFill>
+                <a:srgbClr val="00FDFF"/>
+              </a:solidFill>
+            </a:endParaRPr>
+          </a:p>
+          <a:p>
+            <a:pPr lvl="0" algn="l">
+              <a:defRPr sz="1800"/>
+            </a:pPr>
+            <a:endParaRPr sz="3600">
+              <a:solidFill>
+                <a:srgbClr val="00FDFF"/>
+              </a:solidFill>
+            </a:endParaRPr>
+          </a:p>
+          <a:p>
+            <a:pPr lvl="0" algn="l">
+              <a:defRPr sz="1800"/>
+            </a:pPr>
+            <a:endParaRPr sz="3600">
+              <a:solidFill>
+                <a:srgbClr val="00FDFF"/>
+              </a:solidFill>
+            </a:endParaRPr>
+          </a:p>
+          <a:p>
+            <a:pPr lvl="0" marL="444500" indent="-444500" algn="l">
+              <a:buSzPct val="75000"/>
+              <a:buChar char="•"/>
+              <a:defRPr sz="1800"/>
+            </a:pPr>
+            <a:r>
+              <a:rPr sz="3600">
                 <a:solidFill>
                   <a:srgbClr val="00FDFF"/>
                 </a:solidFill>
               </a:rPr>
-              <a:t>!!!</a:t>
-            </a:r>
-          </a:p>
-        </p:txBody>
-      </p:sp>
-      <p:pic>
-        <p:nvPicPr>
-          <p:cNvPr id="116" name="pasted-image.png"/>
-          <p:cNvPicPr/>
-          <p:nvPr/>
-        </p:nvPicPr>
-        <p:blipFill>
-          <a:blip r:embed="rId3">
-            <a:extLst/>
-          </a:blip>
-          <a:stretch>
-            <a:fillRect/>
-          </a:stretch>
-        </p:blipFill>
-        <p:spPr>
-          <a:xfrm>
-            <a:off x="4254500" y="4925435"/>
-            <a:ext cx="1371600" cy="812801"/>
-          </a:xfrm>
-          <a:prstGeom prst="rect">
-            <a:avLst/>
-          </a:prstGeom>
-          <a:ln w="12700">
-            <a:miter lim="400000"/>
-          </a:ln>
-        </p:spPr>
-      </p:pic>
-      <p:pic>
-        <p:nvPicPr>
-          <p:cNvPr id="117" name="pasted-image-filtered.png"/>
-          <p:cNvPicPr/>
-          <p:nvPr/>
-        </p:nvPicPr>
-        <p:blipFill>
-          <a:blip r:embed="rId4">
-            <a:extLst/>
-          </a:blip>
-          <a:stretch>
-            <a:fillRect/>
-          </a:stretch>
-        </p:blipFill>
-        <p:spPr>
-          <a:xfrm>
-            <a:off x="6167839" y="3839585"/>
-            <a:ext cx="1435101" cy="2984501"/>
-          </a:xfrm>
-          <a:prstGeom prst="rect">
-            <a:avLst/>
-          </a:prstGeom>
-          <a:ln w="12700">
-            <a:miter lim="400000"/>
-          </a:ln>
-        </p:spPr>
-      </p:pic>
-      <p:pic>
-        <p:nvPicPr>
-          <p:cNvPr id="118" name="pasted-image-filtered.png"/>
-          <p:cNvPicPr/>
-          <p:nvPr/>
-        </p:nvPicPr>
-        <p:blipFill>
-          <a:blip r:embed="rId5">
-            <a:extLst/>
-          </a:blip>
-          <a:srcRect l="0" t="0" r="0" b="0"/>
-          <a:stretch>
-            <a:fillRect/>
-          </a:stretch>
-        </p:blipFill>
-        <p:spPr>
-          <a:xfrm rot="1680000">
-            <a:off x="9855200" y="3384560"/>
-            <a:ext cx="3186156" cy="2984501"/>
-          </a:xfrm>
-          <a:prstGeom prst="rect">
-            <a:avLst/>
-          </a:prstGeom>
-          <a:ln w="12700">
-            <a:miter lim="400000"/>
-          </a:ln>
-        </p:spPr>
-      </p:pic>
-      <p:pic>
-        <p:nvPicPr>
-          <p:cNvPr id="119" name="pasted-image.png"/>
-          <p:cNvPicPr/>
-          <p:nvPr/>
-        </p:nvPicPr>
-        <p:blipFill>
-          <a:blip r:embed="rId3">
-            <a:extLst/>
-          </a:blip>
-          <a:stretch>
-            <a:fillRect/>
-          </a:stretch>
-        </p:blipFill>
-        <p:spPr>
-          <a:xfrm>
-            <a:off x="8137525" y="4925435"/>
-            <a:ext cx="1371600" cy="812801"/>
-          </a:xfrm>
-          <a:prstGeom prst="rect">
-            <a:avLst/>
-          </a:prstGeom>
-          <a:ln w="12700">
-            <a:miter lim="400000"/>
-          </a:ln>
-        </p:spPr>
-      </p:pic>
-      <p:sp>
-        <p:nvSpPr>
-          <p:cNvPr id="120" name="Shape 120"/>
-          <p:cNvSpPr/>
-          <p:nvPr/>
-        </p:nvSpPr>
-        <p:spPr>
-          <a:xfrm>
-            <a:off x="8343804" y="4140199"/>
-            <a:ext cx="781242" cy="787401"/>
-          </a:xfrm>
-          <a:prstGeom prst="rect">
-            <a:avLst/>
-          </a:prstGeom>
-          <a:ln w="12700">
-            <a:miter lim="400000"/>
-          </a:ln>
-          <a:extLst>
-            <a:ext uri="{C572A759-6A51-4108-AA02-DFA0A04FC94B}">
-              <ma14:wrappingTextBoxFlag xmlns:ma14="http://schemas.microsoft.com/office/mac/drawingml/2011/main" val="1"/>
-            </a:ext>
-          </a:extLst>
-        </p:spPr>
-        <p:txBody>
-          <a:bodyPr wrap="none" lIns="50800" tIns="50800" rIns="50800" bIns="50800" anchor="ctr">
-            <a:spAutoFit/>
-          </a:bodyPr>
-          <a:lstStyle>
-            <a:lvl1pPr>
-              <a:defRPr sz="4500">
-                <a:solidFill>
-                  <a:srgbClr val="00FDFF"/>
-                </a:solidFill>
-              </a:defRPr>
-            </a:lvl1pPr>
-          </a:lstStyle>
-          <a:p>
-            <a:pPr lvl="0">
-              <a:defRPr sz="1800">
-                <a:solidFill>
-                  <a:srgbClr val="000000"/>
-                </a:solidFill>
-              </a:defRPr>
-            </a:pPr>
-            <a:r>
-              <a:rPr sz="4500">
-                <a:solidFill>
-                  <a:srgbClr val="00FDFF"/>
-                </a:solidFill>
-              </a:rPr>
-              <a:t>Rx</a:t>
+              <a:t>This is a building block for future studies which can expand the use of this classifier to other covariates</a:t>
             </a:r>
           </a:p>
         </p:txBody>
       </p:sp>
       <p:sp>
         <p:nvSpPr>
-          <p:cNvPr id="121" name="Shape 121"/>
+          <p:cNvPr id="104" name="Shape 104"/>
           <p:cNvSpPr/>
-          <p:nvPr/>
+          <p:nvPr>
+            <p:ph type="title"/>
+          </p:nvPr>
         </p:nvSpPr>
         <p:spPr>
-          <a:xfrm>
-            <a:off x="3230276" y="7150099"/>
-            <a:ext cx="3343848" cy="787401"/>
-          </a:xfrm>
           <a:prstGeom prst="rect">
             <a:avLst/>
           </a:prstGeom>
-          <a:ln w="12700">
-            <a:miter lim="400000"/>
-          </a:ln>
-          <a:extLst>
-            <a:ext uri="{C572A759-6A51-4108-AA02-DFA0A04FC94B}">
-              <ma14:wrappingTextBoxFlag xmlns:ma14="http://schemas.microsoft.com/office/mac/drawingml/2011/main" val="1"/>
-            </a:ext>
-          </a:extLst>
         </p:spPr>
         <p:txBody>
-          <a:bodyPr wrap="none" lIns="50800" tIns="50800" rIns="50800" bIns="50800" anchor="ctr">
-            <a:spAutoFit/>
-          </a:bodyPr>
-          <a:lstStyle>
-            <a:lvl1pPr>
-              <a:defRPr sz="4500">
-                <a:solidFill>
-                  <a:srgbClr val="00FDFF"/>
-                </a:solidFill>
-              </a:defRPr>
-            </a:lvl1pPr>
-          </a:lstStyle>
+          <a:bodyPr/>
+          <a:lstStyle/>
           <a:p>
             <a:pPr lvl="0">
               <a:defRPr sz="1800">
@@ -2883,132 +2667,13 @@
               </a:defRPr>
             </a:pPr>
             <a:r>
-              <a:rPr sz="4500">
-                <a:solidFill>
-                  <a:srgbClr val="00FDFF"/>
-                </a:solidFill>
-              </a:rPr>
-              <a:t>getting there</a:t>
-            </a:r>
-          </a:p>
-        </p:txBody>
-      </p:sp>
-      <p:sp>
-        <p:nvSpPr>
-          <p:cNvPr id="122" name="Shape 122"/>
-          <p:cNvSpPr/>
-          <p:nvPr/>
-        </p:nvSpPr>
-        <p:spPr>
-          <a:xfrm>
-            <a:off x="7654607" y="7150100"/>
-            <a:ext cx="2337436" cy="787401"/>
-          </a:xfrm>
-          <a:prstGeom prst="rect">
-            <a:avLst/>
-          </a:prstGeom>
-          <a:ln w="12700">
-            <a:miter lim="400000"/>
-          </a:ln>
-          <a:extLst>
-            <a:ext uri="{C572A759-6A51-4108-AA02-DFA0A04FC94B}">
-              <ma14:wrappingTextBoxFlag xmlns:ma14="http://schemas.microsoft.com/office/mac/drawingml/2011/main" val="1"/>
-            </a:ext>
-          </a:extLst>
-        </p:spPr>
-        <p:txBody>
-          <a:bodyPr wrap="none" lIns="50800" tIns="50800" rIns="50800" bIns="50800" anchor="ctr">
-            <a:spAutoFit/>
-          </a:bodyPr>
-          <a:lstStyle>
-            <a:lvl1pPr>
-              <a:defRPr sz="4500">
-                <a:solidFill>
-                  <a:srgbClr val="00FDFF"/>
-                </a:solidFill>
-              </a:defRPr>
-            </a:lvl1pPr>
-          </a:lstStyle>
-          <a:p>
-            <a:pPr lvl="0">
-              <a:defRPr sz="1800">
-                <a:solidFill>
-                  <a:srgbClr val="000000"/>
-                </a:solidFill>
-              </a:defRPr>
-            </a:pPr>
-            <a:r>
-              <a:rPr sz="4500">
-                <a:solidFill>
-                  <a:srgbClr val="00FDFF"/>
-                </a:solidFill>
-              </a:rPr>
-              <a:t>enabling</a:t>
-            </a:r>
-          </a:p>
-        </p:txBody>
-      </p:sp>
-      <p:sp>
-        <p:nvSpPr>
-          <p:cNvPr id="123" name="Shape 123"/>
-          <p:cNvSpPr/>
-          <p:nvPr/>
-        </p:nvSpPr>
-        <p:spPr>
-          <a:xfrm flipH="1" flipV="1">
-            <a:off x="4892939" y="5888030"/>
-            <a:ext cx="1" cy="1112276"/>
-          </a:xfrm>
-          <a:prstGeom prst="line">
-            <a:avLst/>
-          </a:prstGeom>
-          <a:ln w="38100">
-            <a:solidFill>
-              <a:srgbClr val="FFFB00"/>
-            </a:solidFill>
-            <a:miter lim="400000"/>
-            <a:tailEnd type="triangle"/>
-          </a:ln>
-        </p:spPr>
-        <p:txBody>
-          <a:bodyPr lIns="0" tIns="0" rIns="0" bIns="0" anchor="ctr"/>
-          <a:lstStyle/>
-          <a:p>
-            <a:pPr lvl="0">
-              <a:defRPr sz="2400"/>
-            </a:pPr>
-          </a:p>
-        </p:txBody>
-      </p:sp>
-      <p:sp>
-        <p:nvSpPr>
-          <p:cNvPr id="124" name="Shape 124"/>
-          <p:cNvSpPr/>
-          <p:nvPr/>
-        </p:nvSpPr>
-        <p:spPr>
-          <a:xfrm flipV="1">
-            <a:off x="8823325" y="5888030"/>
-            <a:ext cx="1" cy="1112276"/>
-          </a:xfrm>
-          <a:prstGeom prst="line">
-            <a:avLst/>
-          </a:prstGeom>
-          <a:ln w="38100">
-            <a:solidFill>
-              <a:srgbClr val="FFFB00"/>
-            </a:solidFill>
-            <a:miter lim="400000"/>
-            <a:tailEnd type="triangle"/>
-          </a:ln>
-        </p:spPr>
-        <p:txBody>
-          <a:bodyPr lIns="0" tIns="0" rIns="0" bIns="0" anchor="ctr"/>
-          <a:lstStyle/>
-          <a:p>
-            <a:pPr lvl="0">
-              <a:defRPr sz="2400"/>
-            </a:pPr>
+              <a:rPr sz="8000">
+                <a:solidFill>
+                  <a:srgbClr val="FFFB00"/>
+                </a:solidFill>
+              </a:rPr>
+              <a:t>Resolution</a:t>
+            </a:r>
           </a:p>
         </p:txBody>
       </p:sp>
@@ -3095,7 +2760,7 @@
         <p:spPr>
           <a:xfrm>
             <a:off x="8807003" y="2955329"/>
-            <a:ext cx="3739105" cy="5569989"/>
+            <a:ext cx="3739106" cy="5569989"/>
           </a:xfrm>
           <a:prstGeom prst="rect">
             <a:avLst/>
@@ -3126,7 +2791,7 @@
         <p:spPr>
           <a:xfrm>
             <a:off x="273544" y="3889970"/>
-            <a:ext cx="8249870" cy="3700755"/>
+            <a:ext cx="8249870" cy="3700756"/>
           </a:xfrm>
           <a:prstGeom prst="rect">
             <a:avLst/>
@@ -3260,103 +2925,12 @@
         <p:nvSpPr>
           <p:cNvPr id="42" name="Shape 42"/>
           <p:cNvSpPr/>
-          <p:nvPr>
-            <p:ph type="body" idx="1"/>
-          </p:nvPr>
-        </p:nvSpPr>
-        <p:spPr>
-          <a:xfrm>
-            <a:off x="814006" y="5604347"/>
-            <a:ext cx="11376788" cy="3450753"/>
-          </a:xfrm>
-          <a:prstGeom prst="rect">
-            <a:avLst/>
-          </a:prstGeom>
-        </p:spPr>
-        <p:txBody>
-          <a:bodyPr/>
-          <a:lstStyle/>
-          <a:p>
-            <a:pPr lvl="0">
-              <a:defRPr sz="1800">
-                <a:solidFill>
-                  <a:srgbClr val="000000"/>
-                </a:solidFill>
-              </a:defRPr>
-            </a:pPr>
-            <a:r>
-              <a:rPr sz="2800">
-                <a:solidFill>
-                  <a:srgbClr val="26E9FF"/>
-                </a:solidFill>
-              </a:rPr>
-              <a:t>“50% of people diagnosed with a mental disorder show signs of the disease by age 14, 75% by age 25.”</a:t>
-            </a:r>
-            <a:endParaRPr sz="2800">
-              <a:solidFill>
-                <a:srgbClr val="26E9FF"/>
-              </a:solidFill>
-            </a:endParaRPr>
-          </a:p>
-          <a:p>
-            <a:pPr lvl="0">
-              <a:defRPr sz="1800">
-                <a:solidFill>
-                  <a:srgbClr val="000000"/>
-                </a:solidFill>
-              </a:defRPr>
-            </a:pPr>
-            <a:r>
-              <a:rPr sz="2800">
-                <a:solidFill>
-                  <a:srgbClr val="26E9FF"/>
-                </a:solidFill>
-              </a:rPr>
-              <a:t>“76-85% of serious cases went untreated in low and middle income countries, 35-50% of cases in high income countries.”</a:t>
-            </a:r>
-          </a:p>
-        </p:txBody>
-      </p:sp>
-      <p:pic>
-        <p:nvPicPr>
-          <p:cNvPr id="43" name="Screen Shot 2016-03-04 at 12.20.25 PM.png"/>
-          <p:cNvPicPr/>
-          <p:nvPr/>
-        </p:nvPicPr>
-        <p:blipFill>
-          <a:blip r:embed="rId2">
-            <a:extLst/>
-          </a:blip>
-          <a:stretch>
-            <a:fillRect/>
-          </a:stretch>
-        </p:blipFill>
-        <p:spPr>
-          <a:xfrm>
-            <a:off x="895953" y="2486868"/>
-            <a:ext cx="11212894" cy="2971133"/>
-          </a:xfrm>
-          <a:prstGeom prst="rect">
-            <a:avLst/>
-          </a:prstGeom>
-          <a:ln w="25400">
-            <a:solidFill>
-              <a:srgbClr val="00FDFF"/>
-            </a:solidFill>
-            <a:miter lim="400000"/>
-          </a:ln>
-        </p:spPr>
-      </p:pic>
-      <p:sp>
-        <p:nvSpPr>
-          <p:cNvPr id="44" name="Shape 44"/>
-          <p:cNvSpPr/>
           <p:nvPr/>
         </p:nvSpPr>
         <p:spPr>
           <a:xfrm>
-            <a:off x="102768" y="9188747"/>
-            <a:ext cx="12469064" cy="584201"/>
+            <a:off x="649064" y="3505200"/>
+            <a:ext cx="11706672" cy="4470401"/>
           </a:xfrm>
           <a:prstGeom prst="rect">
             <a:avLst/>
@@ -3371,7 +2945,92 @@
           </a:extLst>
         </p:spPr>
         <p:txBody>
-          <a:bodyPr wrap="none" lIns="50800" tIns="50800" rIns="50800" bIns="50800" anchor="ctr">
+          <a:bodyPr lIns="50800" tIns="50800" rIns="50800" bIns="50800" anchor="ctr">
+            <a:spAutoFit/>
+          </a:bodyPr>
+          <a:lstStyle/>
+          <a:p>
+            <a:pPr lvl="0" marL="444500" indent="-444500" algn="l">
+              <a:buSzPct val="75000"/>
+              <a:buChar char="•"/>
+              <a:defRPr sz="1800"/>
+            </a:pPr>
+            <a:r>
+              <a:rPr sz="3600">
+                <a:solidFill>
+                  <a:srgbClr val="00FDFF"/>
+                </a:solidFill>
+              </a:rPr>
+              <a:t>Currently, no brain imaging biomarkers exist that are clinically useful for any diagnostic category in psychiatry</a:t>
+            </a:r>
+            <a:endParaRPr sz="3600">
+              <a:solidFill>
+                <a:srgbClr val="00FDFF"/>
+              </a:solidFill>
+            </a:endParaRPr>
+          </a:p>
+          <a:p>
+            <a:pPr lvl="0" algn="l">
+              <a:defRPr sz="1800"/>
+            </a:pPr>
+            <a:endParaRPr sz="3600">
+              <a:solidFill>
+                <a:srgbClr val="00FDFF"/>
+              </a:solidFill>
+            </a:endParaRPr>
+          </a:p>
+          <a:p>
+            <a:pPr lvl="0" algn="l">
+              <a:defRPr sz="1800"/>
+            </a:pPr>
+            <a:endParaRPr sz="3600">
+              <a:solidFill>
+                <a:srgbClr val="00FDFF"/>
+              </a:solidFill>
+            </a:endParaRPr>
+          </a:p>
+          <a:p>
+            <a:pPr lvl="0" marL="444500" indent="-444500" algn="l">
+              <a:buSzPct val="75000"/>
+              <a:buChar char="•"/>
+              <a:defRPr sz="1800"/>
+            </a:pPr>
+            <a:r>
+              <a:rPr sz="3600">
+                <a:solidFill>
+                  <a:srgbClr val="00FDFF"/>
+                </a:solidFill>
+              </a:rPr>
+              <a:t>Currently, no known open source gender (or other covariate) classifiers based on connectome analysis exist</a:t>
+            </a:r>
+          </a:p>
+        </p:txBody>
+      </p:sp>
+      <p:sp>
+        <p:nvSpPr>
+          <p:cNvPr id="43" name="Shape 43"/>
+          <p:cNvSpPr/>
+          <p:nvPr/>
+        </p:nvSpPr>
+        <p:spPr>
+          <a:xfrm>
+            <a:off x="281288" y="9334500"/>
+            <a:ext cx="12442224" cy="342901"/>
+          </a:xfrm>
+          <a:prstGeom prst="rect">
+            <a:avLst/>
+          </a:prstGeom>
+          <a:ln w="12700">
+            <a:miter lim="400000"/>
+          </a:ln>
+          <a:extLst>
+            <a:ext uri="{C572A759-6A51-4108-AA02-DFA0A04FC94B}">
+              <ma14:wrappingTextBoxFlag xmlns:ma14="http://schemas.microsoft.com/office/mac/drawingml/2011/main" val="1"/>
+            </a:ext>
+          </a:extLst>
+        </p:spPr>
+        <p:txBody>
+          <a:bodyPr lIns="50800" tIns="50800" rIns="50800" bIns="50800" anchor="ctr">
             <a:spAutoFit/>
           </a:bodyPr>
           <a:lstStyle>
@@ -3397,7 +3056,7 @@
                   <a:srgbClr val="00FDFF"/>
                 </a:solidFill>
               </a:rPr>
-              <a:t>Prevalence, Severity, and Unmet Need for Treatment of Mental Disorders, World Health Organization World Mental Health Surveys, June 2004, Journal of the American Medical Association</a:t>
+              <a:t>APA 2012: Consensus Report of the APA Work Group on Neuroimaging Markers of Psychiatric Disorders RESOURCE DOCUMENT</a:t>
             </a:r>
           </a:p>
         </p:txBody>
@@ -3430,7 +3089,7 @@
       </p:grpSpPr>
       <p:sp>
         <p:nvSpPr>
-          <p:cNvPr id="46" name="Shape 46"/>
+          <p:cNvPr id="45" name="Shape 45"/>
           <p:cNvSpPr/>
           <p:nvPr>
             <p:ph type="title"/>
@@ -3464,6 +3123,176 @@
               </a:rPr>
               <a:t>Challenge</a:t>
             </a:r>
+          </a:p>
+        </p:txBody>
+      </p:sp>
+      <p:sp>
+        <p:nvSpPr>
+          <p:cNvPr id="46" name="Shape 46"/>
+          <p:cNvSpPr/>
+          <p:nvPr/>
+        </p:nvSpPr>
+        <p:spPr>
+          <a:xfrm>
+            <a:off x="737964" y="2959099"/>
+            <a:ext cx="11706672" cy="5562601"/>
+          </a:xfrm>
+          <a:prstGeom prst="rect">
+            <a:avLst/>
+          </a:prstGeom>
+          <a:ln w="12700">
+            <a:miter lim="400000"/>
+          </a:ln>
+          <a:extLst>
+            <a:ext uri="{C572A759-6A51-4108-AA02-DFA0A04FC94B}">
+              <ma14:wrappingTextBoxFlag xmlns:ma14="http://schemas.microsoft.com/office/mac/drawingml/2011/main" val="1"/>
+            </a:ext>
+          </a:extLst>
+        </p:spPr>
+        <p:txBody>
+          <a:bodyPr lIns="50800" tIns="50800" rIns="50800" bIns="50800" anchor="ctr">
+            <a:spAutoFit/>
+          </a:bodyPr>
+          <a:lstStyle/>
+          <a:p>
+            <a:pPr lvl="0" marL="444500" indent="-444500" algn="l">
+              <a:buSzPct val="75000"/>
+              <a:buChar char="•"/>
+              <a:defRPr sz="1800"/>
+            </a:pPr>
+            <a:r>
+              <a:rPr sz="3600">
+                <a:solidFill>
+                  <a:srgbClr val="00FDFF"/>
+                </a:solidFill>
+              </a:rPr>
+              <a:t>Graph stats are hard:</a:t>
+            </a:r>
+            <a:endParaRPr sz="3600">
+              <a:solidFill>
+                <a:srgbClr val="00FDFF"/>
+              </a:solidFill>
+            </a:endParaRPr>
+          </a:p>
+          <a:p>
+            <a:pPr lvl="0" algn="l">
+              <a:defRPr sz="1800"/>
+            </a:pPr>
+            <a:endParaRPr sz="3600">
+              <a:solidFill>
+                <a:srgbClr val="00FDFF"/>
+              </a:solidFill>
+            </a:endParaRPr>
+          </a:p>
+          <a:p>
+            <a:pPr lvl="1" marL="889000" indent="-444500" algn="l">
+              <a:buSzPct val="75000"/>
+              <a:buChar char="•"/>
+              <a:defRPr sz="1800"/>
+            </a:pPr>
+            <a:r>
+              <a:rPr sz="3600">
+                <a:solidFill>
+                  <a:srgbClr val="00FDFF"/>
+                </a:solidFill>
+              </a:rPr>
+              <a:t>Large number of dimensions (D)</a:t>
+            </a:r>
+            <a:endParaRPr sz="3600">
+              <a:solidFill>
+                <a:srgbClr val="00FDFF"/>
+              </a:solidFill>
+            </a:endParaRPr>
+          </a:p>
+          <a:p>
+            <a:pPr lvl="0" algn="l">
+              <a:defRPr sz="1800"/>
+            </a:pPr>
+            <a:endParaRPr sz="3600">
+              <a:solidFill>
+                <a:srgbClr val="00FDFF"/>
+              </a:solidFill>
+            </a:endParaRPr>
+          </a:p>
+          <a:p>
+            <a:pPr lvl="1" marL="889000" indent="-444500" algn="l">
+              <a:buSzPct val="75000"/>
+              <a:buChar char="•"/>
+              <a:defRPr sz="1800"/>
+            </a:pPr>
+            <a:r>
+              <a:rPr sz="3600">
+                <a:solidFill>
+                  <a:srgbClr val="00FDFF"/>
+                </a:solidFill>
+              </a:rPr>
+              <a:t>Small number of samples (N)</a:t>
+            </a:r>
+            <a:endParaRPr sz="3600">
+              <a:solidFill>
+                <a:srgbClr val="00FDFF"/>
+              </a:solidFill>
+            </a:endParaRPr>
+          </a:p>
+          <a:p>
+            <a:pPr lvl="0" algn="l">
+              <a:defRPr sz="1800"/>
+            </a:pPr>
+            <a:endParaRPr sz="3600">
+              <a:solidFill>
+                <a:srgbClr val="00FDFF"/>
+              </a:solidFill>
+            </a:endParaRPr>
+          </a:p>
+          <a:p>
+            <a:pPr lvl="1" marL="889000" indent="-444500" algn="l">
+              <a:buSzPct val="75000"/>
+              <a:buChar char="•"/>
+              <a:defRPr sz="1800"/>
+            </a:pPr>
+            <a:r>
+              <a:rPr sz="3600">
+                <a:solidFill>
+                  <a:srgbClr val="00FDFF"/>
+                </a:solidFill>
+              </a:rPr>
+              <a:t>Observations are noisy</a:t>
+            </a:r>
+            <a:endParaRPr sz="3600">
+              <a:solidFill>
+                <a:srgbClr val="00FDFF"/>
+              </a:solidFill>
+            </a:endParaRPr>
+          </a:p>
+          <a:p>
+            <a:pPr lvl="0" algn="l">
+              <a:defRPr sz="1800"/>
+            </a:pPr>
+            <a:endParaRPr sz="3600">
+              <a:solidFill>
+                <a:srgbClr val="00FDFF"/>
+              </a:solidFill>
+            </a:endParaRPr>
+          </a:p>
+          <a:p>
+            <a:pPr lvl="1" marL="889000" indent="-444500" algn="l">
+              <a:buSzPct val="75000"/>
+              <a:buChar char="•"/>
+              <a:defRPr sz="1800"/>
+            </a:pPr>
+            <a:r>
+              <a:rPr sz="3600">
+                <a:solidFill>
+                  <a:srgbClr val="00FDFF"/>
+                </a:solidFill>
+              </a:rPr>
+              <a:t>Batch effects across studies</a:t>
+            </a:r>
+            <a:endParaRPr sz="3600">
+              <a:solidFill>
+                <a:srgbClr val="00FDFF"/>
+              </a:solidFill>
+            </a:endParaRPr>
           </a:p>
         </p:txBody>
       </p:sp>
@@ -3483,117 +3312,8 @@
         </p:blipFill>
         <p:spPr>
           <a:xfrm>
-            <a:off x="1312079" y="3585585"/>
-            <a:ext cx="3924301" cy="3492501"/>
-          </a:xfrm>
-          <a:prstGeom prst="rect">
-            <a:avLst/>
-          </a:prstGeom>
-          <a:ln w="12700">
-            <a:miter lim="400000"/>
-          </a:ln>
-        </p:spPr>
-      </p:pic>
-      <p:sp>
-        <p:nvSpPr>
-          <p:cNvPr id="48" name="Shape 48"/>
-          <p:cNvSpPr/>
-          <p:nvPr/>
-        </p:nvSpPr>
-        <p:spPr>
-          <a:xfrm>
-            <a:off x="6245225" y="4140199"/>
-            <a:ext cx="971551" cy="787401"/>
-          </a:xfrm>
-          <a:prstGeom prst="rect">
-            <a:avLst/>
-          </a:prstGeom>
-          <a:ln w="12700">
-            <a:miter lim="400000"/>
-          </a:ln>
-          <a:extLst>
-            <a:ext uri="{C572A759-6A51-4108-AA02-DFA0A04FC94B}">
-              <ma14:wrappingTextBoxFlag xmlns:ma14="http://schemas.microsoft.com/office/mac/drawingml/2011/main" val="1"/>
-            </a:ext>
-          </a:extLst>
-        </p:spPr>
-        <p:txBody>
-          <a:bodyPr wrap="none" lIns="50800" tIns="50800" rIns="50800" bIns="50800" anchor="ctr">
-            <a:spAutoFit/>
-          </a:bodyPr>
-          <a:lstStyle>
-            <a:lvl1pPr>
-              <a:defRPr sz="4500">
-                <a:solidFill>
-                  <a:srgbClr val="00FDFF"/>
-                </a:solidFill>
-              </a:defRPr>
-            </a:lvl1pPr>
-          </a:lstStyle>
-          <a:p>
-            <a:pPr lvl="0">
-              <a:defRPr sz="1800">
-                <a:solidFill>
-                  <a:srgbClr val="000000"/>
-                </a:solidFill>
-              </a:defRPr>
-            </a:pPr>
-            <a:r>
-              <a:rPr sz="4500">
-                <a:solidFill>
-                  <a:srgbClr val="00FDFF"/>
-                </a:solidFill>
-              </a:rPr>
-              <a:t>???</a:t>
-            </a:r>
-          </a:p>
-        </p:txBody>
-      </p:sp>
-      <p:pic>
-        <p:nvPicPr>
-          <p:cNvPr id="49" name="pasted-image.png"/>
-          <p:cNvPicPr/>
-          <p:nvPr/>
-        </p:nvPicPr>
-        <p:blipFill>
-          <a:blip r:embed="rId3">
-            <a:extLst/>
-          </a:blip>
-          <a:stretch>
-            <a:fillRect/>
-          </a:stretch>
-        </p:blipFill>
-        <p:spPr>
-          <a:xfrm>
-            <a:off x="6045200" y="4925435"/>
-            <a:ext cx="1371600" cy="812801"/>
-          </a:xfrm>
-          <a:prstGeom prst="rect">
-            <a:avLst/>
-          </a:prstGeom>
-          <a:ln w="12700">
-            <a:miter lim="400000"/>
-          </a:ln>
-        </p:spPr>
-      </p:pic>
-      <p:pic>
-        <p:nvPicPr>
-          <p:cNvPr id="50" name="pasted-image-filtered.png"/>
-          <p:cNvPicPr/>
-          <p:nvPr/>
-        </p:nvPicPr>
-        <p:blipFill>
-          <a:blip r:embed="rId4">
-            <a:extLst/>
-          </a:blip>
-          <a:stretch>
-            <a:fillRect/>
-          </a:stretch>
-        </p:blipFill>
-        <p:spPr>
-          <a:xfrm>
-            <a:off x="8896350" y="3839585"/>
-            <a:ext cx="1435100" cy="2984501"/>
+            <a:off x="8690779" y="3994150"/>
+            <a:ext cx="3924301" cy="3492500"/>
           </a:xfrm>
           <a:prstGeom prst="rect">
             <a:avLst/>
@@ -3631,7 +3351,7 @@
       </p:grpSpPr>
       <p:sp>
         <p:nvSpPr>
-          <p:cNvPr id="52" name="Shape 52"/>
+          <p:cNvPr id="49" name="Shape 49"/>
           <p:cNvSpPr/>
           <p:nvPr>
             <p:ph type="title"/>
@@ -3674,7 +3394,7 @@
       </p:sp>
       <p:pic>
         <p:nvPicPr>
-          <p:cNvPr id="53" name="pasted-image.png"/>
+          <p:cNvPr id="50" name="pasted-image.png"/>
           <p:cNvPicPr/>
           <p:nvPr/>
         </p:nvPicPr>
@@ -3688,7 +3408,7 @@
         </p:blipFill>
         <p:spPr>
           <a:xfrm>
-            <a:off x="505243" y="2197100"/>
+            <a:off x="505243" y="2311400"/>
             <a:ext cx="6228514" cy="475366"/>
           </a:xfrm>
           <a:prstGeom prst="rect">
@@ -3701,13 +3421,13 @@
       </p:pic>
       <p:sp>
         <p:nvSpPr>
-          <p:cNvPr id="54" name="Shape 54"/>
+          <p:cNvPr id="51" name="Shape 51"/>
           <p:cNvSpPr/>
           <p:nvPr/>
         </p:nvSpPr>
         <p:spPr>
           <a:xfrm>
-            <a:off x="7299769" y="2142682"/>
+            <a:off x="7299769" y="2256982"/>
             <a:ext cx="4983862" cy="558801"/>
           </a:xfrm>
           <a:prstGeom prst="rect">
@@ -3754,179 +3474,15 @@
           </a:p>
         </p:txBody>
       </p:sp>
-      <p:pic>
-        <p:nvPicPr>
-          <p:cNvPr id="55" name="pasted-image.png"/>
-          <p:cNvPicPr/>
-          <p:nvPr/>
-        </p:nvPicPr>
-        <p:blipFill>
-          <a:blip r:embed="rId3">
-            <a:extLst/>
-          </a:blip>
-          <a:stretch>
-            <a:fillRect/>
-          </a:stretch>
-        </p:blipFill>
-        <p:spPr>
-          <a:xfrm>
-            <a:off x="1460500" y="3136900"/>
-            <a:ext cx="2680536" cy="475366"/>
-          </a:xfrm>
-          <a:prstGeom prst="rect">
-            <a:avLst/>
-          </a:prstGeom>
-          <a:ln w="12700">
-            <a:miter lim="400000"/>
-          </a:ln>
-        </p:spPr>
-      </p:pic>
       <p:sp>
         <p:nvSpPr>
-          <p:cNvPr id="56" name="Shape 56"/>
+          <p:cNvPr id="52" name="Shape 52"/>
           <p:cNvSpPr/>
           <p:nvPr/>
         </p:nvSpPr>
         <p:spPr>
           <a:xfrm>
-            <a:off x="7313548" y="3057083"/>
-            <a:ext cx="4321303" cy="558801"/>
-          </a:xfrm>
-          <a:prstGeom prst="rect">
-            <a:avLst/>
-          </a:prstGeom>
-          <a:ln w="12700">
-            <a:miter lim="400000"/>
-          </a:ln>
-          <a:extLst>
-            <a:ext uri="{C572A759-6A51-4108-AA02-DFA0A04FC94B}">
-              <ma14:wrappingTextBoxFlag xmlns:ma14="http://schemas.microsoft.com/office/mac/drawingml/2011/main" val="1"/>
-            </a:ext>
-          </a:extLst>
-        </p:spPr>
-        <p:txBody>
-          <a:bodyPr wrap="none" lIns="50800" tIns="50800" rIns="50800" bIns="50800" anchor="ctr">
-            <a:spAutoFit/>
-          </a:bodyPr>
-          <a:lstStyle>
-            <a:lvl1pPr>
-              <a:defRPr sz="3000">
-                <a:solidFill>
-                  <a:srgbClr val="FFFB00"/>
-                </a:solidFill>
-              </a:defRPr>
-            </a:lvl1pPr>
-          </a:lstStyle>
-          <a:p>
-            <a:pPr lvl="0">
-              <a:defRPr sz="1800">
-                <a:solidFill>
-                  <a:srgbClr val="000000"/>
-                </a:solidFill>
-              </a:defRPr>
-            </a:pPr>
-            <a:r>
-              <a:rPr sz="3000">
-                <a:solidFill>
-                  <a:srgbClr val="FFFB00"/>
-                </a:solidFill>
-              </a:rPr>
-              <a:t>They are graph matched</a:t>
-            </a:r>
-          </a:p>
-        </p:txBody>
-      </p:sp>
-      <p:pic>
-        <p:nvPicPr>
-          <p:cNvPr id="57" name="pasted-image.png"/>
-          <p:cNvPicPr/>
-          <p:nvPr/>
-        </p:nvPicPr>
-        <p:blipFill>
-          <a:blip r:embed="rId4">
-            <a:extLst/>
-          </a:blip>
-          <a:stretch>
-            <a:fillRect/>
-          </a:stretch>
-        </p:blipFill>
-        <p:spPr>
-          <a:xfrm>
-            <a:off x="2014865" y="3724764"/>
-            <a:ext cx="4652011" cy="1941392"/>
-          </a:xfrm>
-          <a:prstGeom prst="rect">
-            <a:avLst/>
-          </a:prstGeom>
-          <a:ln w="12700">
-            <a:miter lim="400000"/>
-          </a:ln>
-        </p:spPr>
-      </p:pic>
-      <p:sp>
-        <p:nvSpPr>
-          <p:cNvPr id="58" name="Shape 58"/>
-          <p:cNvSpPr/>
-          <p:nvPr/>
-        </p:nvSpPr>
-        <p:spPr>
-          <a:xfrm>
-            <a:off x="7331519" y="4024091"/>
-            <a:ext cx="4412362" cy="558801"/>
-          </a:xfrm>
-          <a:prstGeom prst="rect">
-            <a:avLst/>
-          </a:prstGeom>
-          <a:ln w="12700">
-            <a:miter lim="400000"/>
-          </a:ln>
-          <a:extLst>
-            <a:ext uri="{C572A759-6A51-4108-AA02-DFA0A04FC94B}">
-              <ma14:wrappingTextBoxFlag xmlns:ma14="http://schemas.microsoft.com/office/mac/drawingml/2011/main" val="1"/>
-            </a:ext>
-          </a:extLst>
-        </p:spPr>
-        <p:txBody>
-          <a:bodyPr wrap="none" lIns="50800" tIns="50800" rIns="50800" bIns="50800" anchor="ctr">
-            <a:spAutoFit/>
-          </a:bodyPr>
-          <a:lstStyle>
-            <a:lvl1pPr>
-              <a:defRPr sz="3000">
-                <a:solidFill>
-                  <a:srgbClr val="FFFB00"/>
-                </a:solidFill>
-              </a:defRPr>
-            </a:lvl1pPr>
-          </a:lstStyle>
-          <a:p>
-            <a:pPr lvl="0">
-              <a:defRPr sz="1800">
-                <a:solidFill>
-                  <a:srgbClr val="000000"/>
-                </a:solidFill>
-              </a:defRPr>
-            </a:pPr>
-            <a:r>
-              <a:rPr sz="3000">
-                <a:solidFill>
-                  <a:srgbClr val="FFFB00"/>
-                </a:solidFill>
-              </a:rPr>
-              <a:t>X is our adjacency matrix</a:t>
-            </a:r>
-          </a:p>
-        </p:txBody>
-      </p:sp>
-      <p:sp>
-        <p:nvSpPr>
-          <p:cNvPr id="59" name="Shape 59"/>
-          <p:cNvSpPr/>
-          <p:nvPr/>
-        </p:nvSpPr>
-        <p:spPr>
-          <a:xfrm>
-            <a:off x="7313294" y="5118100"/>
+            <a:off x="7325994" y="3654028"/>
             <a:ext cx="4652011" cy="558801"/>
           </a:xfrm>
           <a:prstGeom prst="rect">
@@ -3973,125 +3529,16 @@
           </a:p>
         </p:txBody>
       </p:sp>
-      <p:pic>
-        <p:nvPicPr>
-          <p:cNvPr id="60" name="pasted-image.png"/>
-          <p:cNvPicPr/>
-          <p:nvPr/>
-        </p:nvPicPr>
-        <p:blipFill>
-          <a:blip r:embed="rId5">
-            <a:extLst/>
-          </a:blip>
-          <a:stretch>
-            <a:fillRect/>
-          </a:stretch>
-        </p:blipFill>
-        <p:spPr>
-          <a:xfrm>
-            <a:off x="2108222" y="5988934"/>
-            <a:ext cx="2364942" cy="1150163"/>
-          </a:xfrm>
-          <a:prstGeom prst="rect">
-            <a:avLst/>
-          </a:prstGeom>
-          <a:ln w="12700">
-            <a:miter lim="400000"/>
-          </a:ln>
-        </p:spPr>
-      </p:pic>
       <p:sp>
         <p:nvSpPr>
-          <p:cNvPr id="61" name="Shape 61"/>
+          <p:cNvPr id="53" name="Shape 53"/>
           <p:cNvSpPr/>
           <p:nvPr/>
         </p:nvSpPr>
         <p:spPr>
           <a:xfrm>
-            <a:off x="7306690" y="6208415"/>
-            <a:ext cx="5097019" cy="558801"/>
-          </a:xfrm>
-          <a:prstGeom prst="rect">
-            <a:avLst/>
-          </a:prstGeom>
-          <a:ln w="12700">
-            <a:miter lim="400000"/>
-          </a:ln>
-          <a:extLst>
-            <a:ext uri="{C572A759-6A51-4108-AA02-DFA0A04FC94B}">
-              <ma14:wrappingTextBoxFlag xmlns:ma14="http://schemas.microsoft.com/office/mac/drawingml/2011/main" val="1"/>
-            </a:ext>
-          </a:extLst>
-        </p:spPr>
-        <p:txBody>
-          <a:bodyPr wrap="none" lIns="50800" tIns="50800" rIns="50800" bIns="50800" anchor="ctr">
-            <a:spAutoFit/>
-          </a:bodyPr>
-          <a:lstStyle>
-            <a:lvl1pPr>
-              <a:defRPr sz="3000">
-                <a:solidFill>
-                  <a:srgbClr val="FFFB00"/>
-                </a:solidFill>
-              </a:defRPr>
-            </a:lvl1pPr>
-          </a:lstStyle>
-          <a:p>
-            <a:pPr lvl="0">
-              <a:defRPr sz="1800">
-                <a:solidFill>
-                  <a:srgbClr val="000000"/>
-                </a:solidFill>
-              </a:defRPr>
-            </a:pPr>
-            <a:r>
-              <a:rPr sz="3000">
-                <a:solidFill>
-                  <a:srgbClr val="FFFB00"/>
-                </a:solidFill>
-              </a:rPr>
-              <a:t>We estimate edge probability</a:t>
-            </a:r>
-          </a:p>
-        </p:txBody>
-      </p:sp>
-      <p:pic>
-        <p:nvPicPr>
-          <p:cNvPr id="62" name="pasted-image.png"/>
-          <p:cNvPicPr/>
-          <p:nvPr/>
-        </p:nvPicPr>
-        <p:blipFill>
-          <a:blip r:embed="rId6">
-            <a:extLst/>
-          </a:blip>
-          <a:stretch>
-            <a:fillRect/>
-          </a:stretch>
-        </p:blipFill>
-        <p:spPr>
-          <a:xfrm>
-            <a:off x="1638121" y="8253244"/>
-            <a:ext cx="4295234" cy="689359"/>
-          </a:xfrm>
-          <a:prstGeom prst="rect">
-            <a:avLst/>
-          </a:prstGeom>
-          <a:ln w="12700">
-            <a:miter lim="400000"/>
-          </a:ln>
-        </p:spPr>
-      </p:pic>
-      <p:sp>
-        <p:nvSpPr>
-          <p:cNvPr id="63" name="Shape 63"/>
-          <p:cNvSpPr/>
-          <p:nvPr/>
-        </p:nvSpPr>
-        <p:spPr>
-          <a:xfrm>
-            <a:off x="7176833" y="8128024"/>
-            <a:ext cx="5331334" cy="1016001"/>
+            <a:off x="7385240" y="6438924"/>
+            <a:ext cx="4914520" cy="1016001"/>
           </a:xfrm>
           <a:prstGeom prst="rect">
             <a:avLst/>
@@ -4120,7 +3567,7 @@
                   <a:srgbClr val="FFFB00"/>
                 </a:solidFill>
               </a:rPr>
-              <a:t>We evaluate based on correct</a:t>
+              <a:t>We calculate loss based on</a:t>
             </a:r>
             <a:endParaRPr sz="3000">
               <a:solidFill>
@@ -4138,20 +3585,20 @@
                   <a:srgbClr val="FFFB00"/>
                 </a:solidFill>
               </a:rPr>
-              <a:t>assignment</a:t>
+              <a:t>correct assignment</a:t>
             </a:r>
           </a:p>
         </p:txBody>
       </p:sp>
       <p:sp>
         <p:nvSpPr>
-          <p:cNvPr id="64" name="Shape 64"/>
+          <p:cNvPr id="54" name="Shape 54"/>
           <p:cNvSpPr/>
           <p:nvPr/>
         </p:nvSpPr>
         <p:spPr>
           <a:xfrm flipV="1">
-            <a:off x="365820" y="7302499"/>
+            <a:off x="365820" y="5130799"/>
             <a:ext cx="12273160" cy="2"/>
           </a:xfrm>
           <a:prstGeom prst="line">
@@ -4176,13 +3623,13 @@
       </p:sp>
       <p:sp>
         <p:nvSpPr>
-          <p:cNvPr id="65" name="Shape 65"/>
+          <p:cNvPr id="55" name="Shape 55"/>
           <p:cNvSpPr/>
           <p:nvPr/>
         </p:nvSpPr>
         <p:spPr>
           <a:xfrm flipV="1">
-            <a:off x="365820" y="8051799"/>
+            <a:off x="365820" y="5880099"/>
             <a:ext cx="12273160" cy="2"/>
           </a:xfrm>
           <a:prstGeom prst="line">
@@ -4207,13 +3654,13 @@
       </p:sp>
       <p:sp>
         <p:nvSpPr>
-          <p:cNvPr id="66" name="Shape 66"/>
+          <p:cNvPr id="56" name="Shape 56"/>
           <p:cNvSpPr/>
           <p:nvPr/>
         </p:nvSpPr>
         <p:spPr>
           <a:xfrm>
-            <a:off x="5566663" y="7397750"/>
+            <a:off x="5566663" y="5226050"/>
             <a:ext cx="1871473" cy="558801"/>
           </a:xfrm>
           <a:prstGeom prst="rect">
@@ -4256,6 +3703,142 @@
                 </a:solidFill>
               </a:rPr>
               <a:t>CLASSIFY</a:t>
+            </a:r>
+          </a:p>
+        </p:txBody>
+      </p:sp>
+      <p:pic>
+        <p:nvPicPr>
+          <p:cNvPr id="57" name="pasted-image.png"/>
+          <p:cNvPicPr/>
+          <p:nvPr/>
+        </p:nvPicPr>
+        <p:blipFill>
+          <a:blip r:embed="rId3">
+            <a:extLst/>
+          </a:blip>
+          <a:stretch>
+            <a:fillRect/>
+          </a:stretch>
+        </p:blipFill>
+        <p:spPr>
+          <a:xfrm>
+            <a:off x="2120900" y="3695700"/>
+            <a:ext cx="2120278" cy="475457"/>
+          </a:xfrm>
+          <a:prstGeom prst="rect">
+            <a:avLst/>
+          </a:prstGeom>
+          <a:ln w="12700">
+            <a:miter lim="400000"/>
+          </a:ln>
+        </p:spPr>
+      </p:pic>
+      <p:pic>
+        <p:nvPicPr>
+          <p:cNvPr id="58" name="pasted-image.png"/>
+          <p:cNvPicPr/>
+          <p:nvPr/>
+        </p:nvPicPr>
+        <p:blipFill>
+          <a:blip r:embed="rId4">
+            <a:extLst/>
+          </a:blip>
+          <a:stretch>
+            <a:fillRect/>
+          </a:stretch>
+        </p:blipFill>
+        <p:spPr>
+          <a:xfrm>
+            <a:off x="2374900" y="6622169"/>
+            <a:ext cx="3413102" cy="649509"/>
+          </a:xfrm>
+          <a:prstGeom prst="rect">
+            <a:avLst/>
+          </a:prstGeom>
+          <a:ln w="12700">
+            <a:miter lim="400000"/>
+          </a:ln>
+        </p:spPr>
+      </p:pic>
+      <p:pic>
+        <p:nvPicPr>
+          <p:cNvPr id="59" name="pasted-image.png"/>
+          <p:cNvPicPr/>
+          <p:nvPr/>
+        </p:nvPicPr>
+        <p:blipFill>
+          <a:blip r:embed="rId5">
+            <a:extLst/>
+          </a:blip>
+          <a:stretch>
+            <a:fillRect/>
+          </a:stretch>
+        </p:blipFill>
+        <p:spPr>
+          <a:xfrm>
+            <a:off x="1905000" y="8077988"/>
+            <a:ext cx="4352902" cy="603256"/>
+          </a:xfrm>
+          <a:prstGeom prst="rect">
+            <a:avLst/>
+          </a:prstGeom>
+          <a:ln w="12700">
+            <a:miter lim="400000"/>
+          </a:ln>
+        </p:spPr>
+      </p:pic>
+      <p:sp>
+        <p:nvSpPr>
+          <p:cNvPr id="60" name="Shape 60"/>
+          <p:cNvSpPr/>
+          <p:nvPr/>
+        </p:nvSpPr>
+        <p:spPr>
+          <a:xfrm>
+            <a:off x="7452042" y="8077224"/>
+            <a:ext cx="3968116" cy="558801"/>
+          </a:xfrm>
+          <a:prstGeom prst="rect">
+            <a:avLst/>
+          </a:prstGeom>
+          <a:ln w="12700">
+            <a:miter lim="400000"/>
+          </a:ln>
+          <a:extLst>
+            <a:ext uri="{C572A759-6A51-4108-AA02-DFA0A04FC94B}">
+              <ma14:wrappingTextBoxFlag xmlns:ma14="http://schemas.microsoft.com/office/mac/drawingml/2011/main" val="1"/>
+            </a:ext>
+          </a:extLst>
+        </p:spPr>
+        <p:txBody>
+          <a:bodyPr wrap="none" lIns="50800" tIns="50800" rIns="50800" bIns="50800" anchor="ctr">
+            <a:spAutoFit/>
+          </a:bodyPr>
+          <a:lstStyle>
+            <a:lvl1pPr>
+              <a:defRPr sz="3000">
+                <a:solidFill>
+                  <a:srgbClr val="FFFB00"/>
+                </a:solidFill>
+              </a:defRPr>
+            </a:lvl1pPr>
+          </a:lstStyle>
+          <a:p>
+            <a:pPr lvl="0">
+              <a:defRPr sz="1800">
+                <a:solidFill>
+                  <a:srgbClr val="000000"/>
+                </a:solidFill>
+              </a:defRPr>
+            </a:pPr>
+            <a:r>
+              <a:rPr sz="3000">
+                <a:solidFill>
+                  <a:srgbClr val="FFFB00"/>
+                </a:solidFill>
+              </a:rPr>
+              <a:t>And get expected loss</a:t>
             </a:r>
           </a:p>
         </p:txBody>
@@ -4288,7 +3871,7 @@
       </p:grpSpPr>
       <p:sp>
         <p:nvSpPr>
-          <p:cNvPr id="68" name="Shape 68"/>
+          <p:cNvPr id="62" name="Shape 62"/>
           <p:cNvSpPr/>
           <p:nvPr>
             <p:ph type="title"/>
@@ -4325,212 +3908,15 @@
           </a:p>
         </p:txBody>
       </p:sp>
-      <p:pic>
-        <p:nvPicPr>
-          <p:cNvPr id="69" name="pasted-image.png"/>
-          <p:cNvPicPr/>
-          <p:nvPr/>
-        </p:nvPicPr>
-        <p:blipFill>
-          <a:blip r:embed="rId2">
-            <a:extLst/>
-          </a:blip>
-          <a:stretch>
-            <a:fillRect/>
-          </a:stretch>
-        </p:blipFill>
-        <p:spPr>
-          <a:xfrm>
-            <a:off x="505243" y="4741418"/>
-            <a:ext cx="6228514" cy="1307988"/>
-          </a:xfrm>
-          <a:prstGeom prst="rect">
-            <a:avLst/>
-          </a:prstGeom>
-          <a:ln w="12700">
-            <a:miter lim="400000"/>
-          </a:ln>
-        </p:spPr>
-      </p:pic>
       <p:sp>
         <p:nvSpPr>
-          <p:cNvPr id="70" name="Shape 70"/>
+          <p:cNvPr id="63" name="Shape 63"/>
           <p:cNvSpPr/>
           <p:nvPr/>
         </p:nvSpPr>
         <p:spPr>
           <a:xfrm>
-            <a:off x="8484679" y="5052511"/>
-            <a:ext cx="2690242" cy="558801"/>
-          </a:xfrm>
-          <a:prstGeom prst="rect">
-            <a:avLst/>
-          </a:prstGeom>
-          <a:ln w="12700">
-            <a:miter lim="400000"/>
-          </a:ln>
-          <a:extLst>
-            <a:ext uri="{C572A759-6A51-4108-AA02-DFA0A04FC94B}">
-              <ma14:wrappingTextBoxFlag xmlns:ma14="http://schemas.microsoft.com/office/mac/drawingml/2011/main" val="1"/>
-            </a:ext>
-          </a:extLst>
-        </p:spPr>
-        <p:txBody>
-          <a:bodyPr wrap="none" lIns="50800" tIns="50800" rIns="50800" bIns="50800" anchor="ctr">
-            <a:spAutoFit/>
-          </a:bodyPr>
-          <a:lstStyle>
-            <a:lvl1pPr>
-              <a:defRPr sz="3000">
-                <a:solidFill>
-                  <a:srgbClr val="FFFB00"/>
-                </a:solidFill>
-              </a:defRPr>
-            </a:lvl1pPr>
-          </a:lstStyle>
-          <a:p>
-            <a:pPr lvl="0">
-              <a:defRPr sz="1800">
-                <a:solidFill>
-                  <a:srgbClr val="000000"/>
-                </a:solidFill>
-              </a:defRPr>
-            </a:pPr>
-            <a:r>
-              <a:rPr sz="3000">
-                <a:solidFill>
-                  <a:srgbClr val="FFFB00"/>
-                </a:solidFill>
-              </a:rPr>
-              <a:t>Edges are i.i.d.</a:t>
-            </a:r>
-          </a:p>
-        </p:txBody>
-      </p:sp>
-      <p:sp>
-        <p:nvSpPr>
-          <p:cNvPr id="71" name="Shape 71"/>
-          <p:cNvSpPr/>
-          <p:nvPr/>
-        </p:nvSpPr>
-        <p:spPr>
-          <a:xfrm>
-            <a:off x="7612760" y="7263484"/>
-            <a:ext cx="4434079" cy="1016001"/>
-          </a:xfrm>
-          <a:prstGeom prst="rect">
-            <a:avLst/>
-          </a:prstGeom>
-          <a:ln w="12700">
-            <a:miter lim="400000"/>
-          </a:ln>
-          <a:extLst>
-            <a:ext uri="{C572A759-6A51-4108-AA02-DFA0A04FC94B}">
-              <ma14:wrappingTextBoxFlag xmlns:ma14="http://schemas.microsoft.com/office/mac/drawingml/2011/main" val="1"/>
-            </a:ext>
-          </a:extLst>
-        </p:spPr>
-        <p:txBody>
-          <a:bodyPr wrap="none" lIns="50800" tIns="50800" rIns="50800" bIns="50800" anchor="ctr">
-            <a:spAutoFit/>
-          </a:bodyPr>
-          <a:lstStyle/>
-          <a:p>
-            <a:pPr lvl="0">
-              <a:defRPr sz="1800"/>
-            </a:pPr>
-            <a:r>
-              <a:rPr sz="3000">
-                <a:solidFill>
-                  <a:srgbClr val="FFFB00"/>
-                </a:solidFill>
-              </a:rPr>
-              <a:t>A class conditional edge</a:t>
-            </a:r>
-            <a:endParaRPr sz="3000">
-              <a:solidFill>
-                <a:srgbClr val="FFFB00"/>
-              </a:solidFill>
-            </a:endParaRPr>
-          </a:p>
-          <a:p>
-            <a:pPr lvl="0">
-              <a:defRPr sz="1800"/>
-            </a:pPr>
-            <a:r>
-              <a:rPr sz="3000">
-                <a:solidFill>
-                  <a:srgbClr val="FFFB00"/>
-                </a:solidFill>
-              </a:rPr>
-              <a:t>probability exists</a:t>
-            </a:r>
-          </a:p>
-        </p:txBody>
-      </p:sp>
-      <p:pic>
-        <p:nvPicPr>
-          <p:cNvPr id="72" name="pasted-image.png"/>
-          <p:cNvPicPr/>
-          <p:nvPr/>
-        </p:nvPicPr>
-        <p:blipFill>
-          <a:blip r:embed="rId3">
-            <a:extLst/>
-          </a:blip>
-          <a:stretch>
-            <a:fillRect/>
-          </a:stretch>
-        </p:blipFill>
-        <p:spPr>
-          <a:xfrm>
-            <a:off x="3103503" y="7607300"/>
-            <a:ext cx="1307178" cy="389860"/>
-          </a:xfrm>
-          <a:prstGeom prst="rect">
-            <a:avLst/>
-          </a:prstGeom>
-          <a:ln w="12700">
-            <a:miter lim="400000"/>
-          </a:ln>
-        </p:spPr>
-      </p:pic>
-      <p:pic>
-        <p:nvPicPr>
-          <p:cNvPr id="73" name="pasted-image.png"/>
-          <p:cNvPicPr/>
-          <p:nvPr/>
-        </p:nvPicPr>
-        <p:blipFill>
-          <a:blip r:embed="rId4">
-            <a:extLst/>
-          </a:blip>
-          <a:stretch>
-            <a:fillRect/>
-          </a:stretch>
-        </p:blipFill>
-        <p:spPr>
-          <a:xfrm>
-            <a:off x="2390292" y="2781299"/>
-            <a:ext cx="2263038" cy="604335"/>
-          </a:xfrm>
-          <a:prstGeom prst="rect">
-            <a:avLst/>
-          </a:prstGeom>
-          <a:ln w="12700">
-            <a:miter lim="400000"/>
-          </a:ln>
-        </p:spPr>
-      </p:pic>
-      <p:sp>
-        <p:nvSpPr>
-          <p:cNvPr id="74" name="Shape 74"/>
-          <p:cNvSpPr/>
-          <p:nvPr/>
-        </p:nvSpPr>
-        <p:spPr>
-          <a:xfrm>
-            <a:off x="8399906" y="2804066"/>
+            <a:off x="8399906" y="3096166"/>
             <a:ext cx="2859787" cy="558801"/>
           </a:xfrm>
           <a:prstGeom prst="rect">
@@ -4573,6 +3959,121 @@
                 </a:solidFill>
               </a:rPr>
               <a:t>Graphs are i.i.d.</a:t>
+            </a:r>
+          </a:p>
+        </p:txBody>
+      </p:sp>
+      <p:pic>
+        <p:nvPicPr>
+          <p:cNvPr id="64" name="pasted-image.png"/>
+          <p:cNvPicPr/>
+          <p:nvPr/>
+        </p:nvPicPr>
+        <p:blipFill>
+          <a:blip r:embed="rId2">
+            <a:extLst/>
+          </a:blip>
+          <a:stretch>
+            <a:fillRect/>
+          </a:stretch>
+        </p:blipFill>
+        <p:spPr>
+          <a:xfrm>
+            <a:off x="2349500" y="3036106"/>
+            <a:ext cx="3804942" cy="653522"/>
+          </a:xfrm>
+          <a:prstGeom prst="rect">
+            <a:avLst/>
+          </a:prstGeom>
+          <a:ln w="12700">
+            <a:miter lim="400000"/>
+          </a:ln>
+        </p:spPr>
+      </p:pic>
+      <p:pic>
+        <p:nvPicPr>
+          <p:cNvPr id="65" name="pasted-image.png"/>
+          <p:cNvPicPr/>
+          <p:nvPr/>
+        </p:nvPicPr>
+        <p:blipFill>
+          <a:blip r:embed="rId3">
+            <a:extLst/>
+          </a:blip>
+          <a:stretch>
+            <a:fillRect/>
+          </a:stretch>
+        </p:blipFill>
+        <p:spPr>
+          <a:xfrm>
+            <a:off x="2616200" y="4722085"/>
+            <a:ext cx="3804942" cy="2102342"/>
+          </a:xfrm>
+          <a:prstGeom prst="rect">
+            <a:avLst/>
+          </a:prstGeom>
+          <a:ln w="12700">
+            <a:miter lim="400000"/>
+          </a:ln>
+        </p:spPr>
+      </p:pic>
+      <p:sp>
+        <p:nvSpPr>
+          <p:cNvPr id="66" name="Shape 66"/>
+          <p:cNvSpPr/>
+          <p:nvPr/>
+        </p:nvSpPr>
+        <p:spPr>
+          <a:xfrm>
+            <a:off x="8110347" y="4604833"/>
+            <a:ext cx="3438907" cy="1016001"/>
+          </a:xfrm>
+          <a:prstGeom prst="rect">
+            <a:avLst/>
+          </a:prstGeom>
+          <a:ln w="12700">
+            <a:miter lim="400000"/>
+          </a:ln>
+          <a:extLst>
+            <a:ext uri="{C572A759-6A51-4108-AA02-DFA0A04FC94B}">
+              <ma14:wrappingTextBoxFlag xmlns:ma14="http://schemas.microsoft.com/office/mac/drawingml/2011/main" val="1"/>
+            </a:ext>
+          </a:extLst>
+        </p:spPr>
+        <p:txBody>
+          <a:bodyPr wrap="none" lIns="50800" tIns="50800" rIns="50800" bIns="50800" anchor="ctr">
+            <a:spAutoFit/>
+          </a:bodyPr>
+          <a:lstStyle/>
+          <a:p>
+            <a:pPr lvl="0">
+              <a:defRPr sz="1800"/>
+            </a:pPr>
+            <a:r>
+              <a:rPr sz="3000">
+                <a:solidFill>
+                  <a:srgbClr val="FFFB00"/>
+                </a:solidFill>
+              </a:rPr>
+              <a:t>A class conditional</a:t>
+            </a:r>
+            <a:endParaRPr sz="3000">
+              <a:solidFill>
+                <a:srgbClr val="FFFB00"/>
+              </a:solidFill>
+            </a:endParaRPr>
+          </a:p>
+          <a:p>
+            <a:pPr lvl="0">
+              <a:defRPr sz="1800"/>
+            </a:pPr>
+            <a:r>
+              <a:rPr sz="3000">
+                <a:solidFill>
+                  <a:srgbClr val="FFFB00"/>
+                </a:solidFill>
+              </a:rPr>
+              <a:t>difference exists</a:t>
             </a:r>
           </a:p>
         </p:txBody>
@@ -4605,7 +4106,7 @@
       </p:grpSpPr>
       <p:sp>
         <p:nvSpPr>
-          <p:cNvPr id="76" name="Shape 76"/>
+          <p:cNvPr id="68" name="Shape 68"/>
           <p:cNvSpPr/>
           <p:nvPr>
             <p:ph type="title"/>
@@ -4648,7 +4149,7 @@
       </p:sp>
       <p:sp>
         <p:nvSpPr>
-          <p:cNvPr id="77" name="Shape 77"/>
+          <p:cNvPr id="69" name="Shape 69"/>
           <p:cNvSpPr/>
           <p:nvPr>
             <p:ph type="body" idx="1"/>
@@ -4841,7 +4342,7 @@
       </p:sp>
       <p:sp>
         <p:nvSpPr>
-          <p:cNvPr id="78" name="Shape 78"/>
+          <p:cNvPr id="70" name="Shape 70"/>
           <p:cNvSpPr/>
           <p:nvPr/>
         </p:nvSpPr>
@@ -4872,7 +4373,7 @@
       </p:sp>
       <p:pic>
         <p:nvPicPr>
-          <p:cNvPr id="79" name="pasted-image.png"/>
+          <p:cNvPr id="71" name="pasted-image.png"/>
           <p:cNvPicPr/>
           <p:nvPr/>
         </p:nvPicPr>
@@ -4899,7 +4400,7 @@
       </p:pic>
       <p:pic>
         <p:nvPicPr>
-          <p:cNvPr id="80" name="pasted-image.png"/>
+          <p:cNvPr id="72" name="pasted-image.png"/>
           <p:cNvPicPr/>
           <p:nvPr/>
         </p:nvPicPr>
@@ -4926,13 +4427,13 @@
       </p:pic>
       <p:sp>
         <p:nvSpPr>
-          <p:cNvPr id="81" name="Shape 81"/>
+          <p:cNvPr id="73" name="Shape 73"/>
           <p:cNvSpPr/>
           <p:nvPr/>
         </p:nvSpPr>
         <p:spPr>
           <a:xfrm>
-            <a:off x="497310" y="6223397"/>
+            <a:off x="497310" y="6223396"/>
             <a:ext cx="1045846" cy="558801"/>
           </a:xfrm>
           <a:prstGeom prst="rect">
@@ -4981,7 +4482,7 @@
       </p:sp>
       <p:sp>
         <p:nvSpPr>
-          <p:cNvPr id="82" name="Shape 82"/>
+          <p:cNvPr id="74" name="Shape 74"/>
           <p:cNvSpPr/>
           <p:nvPr/>
         </p:nvSpPr>
@@ -5013,14 +4514,14 @@
       </p:sp>
       <p:sp>
         <p:nvSpPr>
-          <p:cNvPr id="83" name="Shape 83"/>
+          <p:cNvPr id="75" name="Shape 75"/>
           <p:cNvSpPr/>
           <p:nvPr/>
         </p:nvSpPr>
         <p:spPr>
           <a:xfrm>
-            <a:off x="1156097" y="6729934"/>
-            <a:ext cx="5138472" cy="609601"/>
+            <a:off x="1156098" y="6729934"/>
+            <a:ext cx="5138471" cy="609601"/>
           </a:xfrm>
           <a:prstGeom prst="rect">
             <a:avLst/>
@@ -5068,7 +4569,7 @@
       </p:sp>
       <p:sp>
         <p:nvSpPr>
-          <p:cNvPr id="84" name="Shape 84"/>
+          <p:cNvPr id="76" name="Shape 76"/>
           <p:cNvSpPr/>
           <p:nvPr/>
         </p:nvSpPr>
@@ -5149,7 +4650,7 @@
       </p:grpSpPr>
       <p:sp>
         <p:nvSpPr>
-          <p:cNvPr id="86" name="Shape 86"/>
+          <p:cNvPr id="78" name="Shape 78"/>
           <p:cNvSpPr/>
           <p:nvPr>
             <p:ph type="title"/>
@@ -5188,7 +4689,7 @@
       </p:sp>
       <p:grpSp>
         <p:nvGrpSpPr>
-          <p:cNvPr id="91" name="Group 91"/>
+          <p:cNvPr id="83" name="Group 83"/>
           <p:cNvGrpSpPr/>
           <p:nvPr/>
         </p:nvGrpSpPr>
@@ -5202,7 +4703,7 @@
         </p:grpSpPr>
         <p:grpSp>
           <p:nvGrpSpPr>
-            <p:cNvPr id="89" name="Group 89"/>
+            <p:cNvPr id="81" name="Group 81"/>
             <p:cNvGrpSpPr/>
             <p:nvPr/>
           </p:nvGrpSpPr>
@@ -5216,7 +4717,7 @@
           </p:grpSpPr>
           <p:sp>
             <p:nvSpPr>
-              <p:cNvPr id="87" name="Shape 87"/>
+              <p:cNvPr id="79" name="Shape 79"/>
               <p:cNvSpPr/>
               <p:nvPr/>
             </p:nvSpPr>
@@ -5264,7 +4765,7 @@
           </p:sp>
           <p:pic>
             <p:nvPicPr>
-              <p:cNvPr id="88" name="pasted-image.png"/>
+              <p:cNvPr id="80" name="pasted-image.png"/>
               <p:cNvPicPr/>
               <p:nvPr/>
             </p:nvPicPr>
@@ -5294,7 +4795,7 @@
         </p:grpSp>
         <p:sp>
           <p:nvSpPr>
-            <p:cNvPr id="90" name="Shape 90"/>
+            <p:cNvPr id="82" name="Shape 82"/>
             <p:cNvSpPr/>
             <p:nvPr/>
           </p:nvSpPr>
@@ -5341,7 +4842,7 @@
       </p:grpSp>
       <p:graphicFrame>
         <p:nvGraphicFramePr>
-          <p:cNvPr id="92" name="Table 92"/>
+          <p:cNvPr id="84" name="Table 84"/>
           <p:cNvGraphicFramePr/>
           <p:nvPr/>
         </p:nvGraphicFramePr>
@@ -5565,7 +5066,7 @@
       </p:graphicFrame>
       <p:sp>
         <p:nvSpPr>
-          <p:cNvPr id="93" name="Shape 93"/>
+          <p:cNvPr id="85" name="Shape 85"/>
           <p:cNvSpPr/>
           <p:nvPr/>
         </p:nvSpPr>
@@ -5620,7 +5121,7 @@
       </p:sp>
       <p:sp>
         <p:nvSpPr>
-          <p:cNvPr id="94" name="Shape 94"/>
+          <p:cNvPr id="86" name="Shape 86"/>
           <p:cNvSpPr/>
           <p:nvPr/>
         </p:nvSpPr>
@@ -5689,7 +5190,7 @@
       </p:grpSpPr>
       <p:sp>
         <p:nvSpPr>
-          <p:cNvPr id="96" name="Shape 96"/>
+          <p:cNvPr id="88" name="Shape 88"/>
           <p:cNvSpPr/>
           <p:nvPr>
             <p:ph type="title"/>
@@ -5697,7 +5198,7 @@
         </p:nvSpPr>
         <p:spPr>
           <a:xfrm>
-            <a:off x="952500" y="-25400"/>
+            <a:off x="12700" y="-25400"/>
             <a:ext cx="11099800" cy="2159000"/>
           </a:xfrm>
           <a:prstGeom prst="rect">
@@ -5728,7 +5229,7 @@
       </p:sp>
       <p:grpSp>
         <p:nvGrpSpPr>
-          <p:cNvPr id="100" name="Group 100"/>
+          <p:cNvPr id="92" name="Group 92"/>
           <p:cNvGrpSpPr/>
           <p:nvPr/>
         </p:nvGrpSpPr>
@@ -5742,7 +5243,7 @@
         </p:grpSpPr>
         <p:sp>
           <p:nvSpPr>
-            <p:cNvPr id="97" name="Shape 97"/>
+            <p:cNvPr id="89" name="Shape 89"/>
             <p:cNvSpPr/>
             <p:nvPr/>
           </p:nvSpPr>
@@ -5790,7 +5291,7 @@
         </p:sp>
         <p:pic>
           <p:nvPicPr>
-            <p:cNvPr id="98" name="pasted-image.png"/>
+            <p:cNvPr id="90" name="pasted-image.png"/>
             <p:cNvPicPr/>
             <p:nvPr/>
           </p:nvPicPr>
@@ -5819,7 +5320,7 @@
         </p:pic>
         <p:pic>
           <p:nvPicPr>
-            <p:cNvPr id="99" name="pasted-image.png"/>
+            <p:cNvPr id="91" name="pasted-image.png"/>
             <p:cNvPicPr/>
             <p:nvPr/>
           </p:nvPicPr>
@@ -5849,21 +5350,21 @@
       </p:grpSp>
       <p:grpSp>
         <p:nvGrpSpPr>
-          <p:cNvPr id="104" name="Group 104"/>
+          <p:cNvPr id="96" name="Group 96"/>
           <p:cNvGrpSpPr/>
           <p:nvPr/>
         </p:nvGrpSpPr>
         <p:grpSpPr>
           <a:xfrm>
-            <a:off x="4690243" y="1695516"/>
-            <a:ext cx="4044122" cy="6354720"/>
+            <a:off x="5010378" y="1699440"/>
+            <a:ext cx="4044121" cy="6354720"/>
             <a:chOff x="0" y="0"/>
             <a:chExt cx="4044120" cy="6354719"/>
           </a:xfrm>
         </p:grpSpPr>
         <p:sp>
           <p:nvSpPr>
-            <p:cNvPr id="101" name="Shape 101"/>
+            <p:cNvPr id="93" name="Shape 93"/>
             <p:cNvSpPr/>
             <p:nvPr/>
           </p:nvSpPr>
@@ -5911,7 +5412,7 @@
         </p:sp>
         <p:pic>
           <p:nvPicPr>
-            <p:cNvPr id="102" name="pasted-image.png"/>
+            <p:cNvPr id="94" name="pasted-image.png"/>
             <p:cNvPicPr/>
             <p:nvPr/>
           </p:nvPicPr>
@@ -5926,7 +5427,7 @@
           <p:spPr>
             <a:xfrm>
               <a:off x="391516" y="0"/>
-              <a:ext cx="3261088" cy="3268946"/>
+              <a:ext cx="3261089" cy="3268946"/>
             </a:xfrm>
             <a:prstGeom prst="rect">
               <a:avLst/>
@@ -5940,7 +5441,7 @@
         </p:pic>
         <p:pic>
           <p:nvPicPr>
-            <p:cNvPr id="103" name="pasted-image.png"/>
+            <p:cNvPr id="95" name="pasted-image.png"/>
             <p:cNvPicPr/>
             <p:nvPr/>
           </p:nvPicPr>
@@ -5968,108 +5469,16 @@
           </p:spPr>
         </p:pic>
       </p:grpSp>
-      <p:grpSp>
-        <p:nvGrpSpPr>
-          <p:cNvPr id="107" name="Group 107"/>
-          <p:cNvGrpSpPr/>
-          <p:nvPr/>
-        </p:nvGrpSpPr>
-        <p:grpSpPr>
-          <a:xfrm>
-            <a:off x="9144000" y="3085008"/>
-            <a:ext cx="3680272" cy="3575736"/>
-            <a:chOff x="0" y="0"/>
-            <a:chExt cx="3680271" cy="3575735"/>
-          </a:xfrm>
-        </p:grpSpPr>
-        <p:sp>
-          <p:nvSpPr>
-            <p:cNvPr id="105" name="Shape 105"/>
-            <p:cNvSpPr/>
-            <p:nvPr/>
-          </p:nvSpPr>
-          <p:spPr>
-            <a:xfrm>
-              <a:off x="0" y="0"/>
-              <a:ext cx="3680272" cy="3575736"/>
-            </a:xfrm>
-            <a:prstGeom prst="rect">
-              <a:avLst/>
-            </a:prstGeom>
-            <a:solidFill>
-              <a:srgbClr val="FFFFFF"/>
-            </a:solidFill>
-            <a:ln w="38100" cap="flat">
-              <a:solidFill>
-                <a:srgbClr val="00FDFF"/>
-              </a:solidFill>
-              <a:prstDash val="solid"/>
-              <a:miter lim="400000"/>
-            </a:ln>
-            <a:effectLst>
-              <a:outerShdw sx="100000" sy="100000" kx="0" ky="0" algn="b" rotWithShape="0" blurRad="38100" dist="25400" dir="5400000">
-                <a:srgbClr val="000000">
-                  <a:alpha val="50000"/>
-                </a:srgbClr>
-              </a:outerShdw>
-            </a:effectLst>
-          </p:spPr>
-          <p:txBody>
-            <a:bodyPr wrap="square" lIns="0" tIns="0" rIns="0" bIns="0" numCol="1" anchor="ctr">
-              <a:noAutofit/>
-            </a:bodyPr>
-            <a:lstStyle/>
-            <a:p>
-              <a:pPr lvl="0">
-                <a:defRPr sz="2400">
-                  <a:solidFill>
-                    <a:srgbClr val="FFFFFF"/>
-                  </a:solidFill>
-                </a:defRPr>
-              </a:pPr>
-            </a:p>
-          </p:txBody>
-        </p:sp>
-        <p:pic>
-          <p:nvPicPr>
-            <p:cNvPr id="106" name="pasted-image.png"/>
-            <p:cNvPicPr/>
-            <p:nvPr/>
-          </p:nvPicPr>
-          <p:blipFill>
-            <a:blip r:embed="rId6">
-              <a:extLst/>
-            </a:blip>
-            <a:stretch>
-              <a:fillRect/>
-            </a:stretch>
-          </p:blipFill>
-          <p:spPr>
-            <a:xfrm>
-              <a:off x="123919" y="109041"/>
-              <a:ext cx="3432434" cy="3357653"/>
-            </a:xfrm>
-            <a:prstGeom prst="rect">
-              <a:avLst/>
-            </a:prstGeom>
-            <a:ln w="12700" cap="flat">
-              <a:noFill/>
-              <a:miter lim="400000"/>
-            </a:ln>
-            <a:effectLst/>
-          </p:spPr>
-        </p:pic>
-      </p:grpSp>
       <p:sp>
         <p:nvSpPr>
-          <p:cNvPr id="108" name="Shape 108"/>
+          <p:cNvPr id="97" name="Shape 97"/>
           <p:cNvSpPr/>
           <p:nvPr/>
         </p:nvSpPr>
         <p:spPr>
           <a:xfrm>
-            <a:off x="19049" y="8037291"/>
-            <a:ext cx="12966701" cy="1625601"/>
+            <a:off x="19049" y="8189691"/>
+            <a:ext cx="12966701" cy="1320801"/>
           </a:xfrm>
           <a:prstGeom prst="rect">
             <a:avLst/>
@@ -6110,14 +5519,14 @@
                   <a:srgbClr val="FFFB00"/>
                 </a:solidFill>
               </a:rPr>
-              <a:t>A. We show that the covariance across subjects is non zero and the ideal number of clusters is &gt; 1, indicating both our graph i.i.d. assumptions were false. B. Like A, the same is true for the edge i.i.d. assumption. C. Performing linear regression over edge probability and class labels failed to separate the subjects successfully 100% of the time, as can be seen in the residual plot; this shows us the class conditional probability difference assumption is also false.</a:t>
+              <a:t>A. We show that the covariance across subjects is non zero and the ideal number of clusters is &gt; 1, indicating both our graph i.i.d. assumptions were false. B. Like A, the same is true for the edge i.i.d. assumption. C. We compared the covariances across classes and found that the difference was very large, suggesting why QDA performed better for classification than LDA, for instance.</a:t>
             </a:r>
           </a:p>
         </p:txBody>
       </p:sp>
       <p:sp>
         <p:nvSpPr>
-          <p:cNvPr id="109" name="Shape 109"/>
+          <p:cNvPr id="98" name="Shape 98"/>
           <p:cNvSpPr/>
           <p:nvPr/>
         </p:nvSpPr>
@@ -6160,13 +5569,13 @@
       </p:sp>
       <p:sp>
         <p:nvSpPr>
-          <p:cNvPr id="110" name="Shape 110"/>
+          <p:cNvPr id="99" name="Shape 99"/>
           <p:cNvSpPr/>
           <p:nvPr/>
         </p:nvSpPr>
         <p:spPr>
           <a:xfrm>
-            <a:off x="4690243" y="1712691"/>
+            <a:off x="4996877" y="1712691"/>
             <a:ext cx="368428" cy="558801"/>
           </a:xfrm>
           <a:prstGeom prst="rect">
@@ -6201,15 +5610,45 @@
           </a:p>
         </p:txBody>
       </p:sp>
+      <p:pic>
+        <p:nvPicPr>
+          <p:cNvPr id="100" name="Screen Shot 2016-03-07 at 1.59.26 PM.png"/>
+          <p:cNvPicPr/>
+          <p:nvPr/>
+        </p:nvPicPr>
+        <p:blipFill>
+          <a:blip r:embed="rId6">
+            <a:extLst/>
+          </a:blip>
+          <a:stretch>
+            <a:fillRect/>
+          </a:stretch>
+        </p:blipFill>
+        <p:spPr>
+          <a:xfrm>
+            <a:off x="9803318" y="159051"/>
+            <a:ext cx="2654894" cy="7951101"/>
+          </a:xfrm>
+          <a:prstGeom prst="rect">
+            <a:avLst/>
+          </a:prstGeom>
+          <a:ln w="38100">
+            <a:solidFill>
+              <a:srgbClr val="00FDFF"/>
+            </a:solidFill>
+            <a:miter lim="400000"/>
+          </a:ln>
+        </p:spPr>
+      </p:pic>
       <p:sp>
         <p:nvSpPr>
-          <p:cNvPr id="111" name="Shape 111"/>
+          <p:cNvPr id="101" name="Shape 101"/>
           <p:cNvSpPr/>
           <p:nvPr/>
         </p:nvSpPr>
         <p:spPr>
           <a:xfrm>
-            <a:off x="9143999" y="3058891"/>
+            <a:off x="9766300" y="87091"/>
             <a:ext cx="389383" cy="558801"/>
           </a:xfrm>
           <a:prstGeom prst="rect">

--- a/draft/summary_presentation.pptx
+++ b/draft/summary_presentation.pptx
@@ -2565,8 +2565,8 @@
         </p:nvSpPr>
         <p:spPr>
           <a:xfrm>
-            <a:off x="649064" y="3778250"/>
-            <a:ext cx="11706672" cy="3924301"/>
+            <a:off x="649064" y="4051299"/>
+            <a:ext cx="11706672" cy="3378201"/>
           </a:xfrm>
           <a:prstGeom prst="rect">
             <a:avLst/>
@@ -2597,7 +2597,7 @@
                   <a:srgbClr val="00FDFF"/>
                 </a:solidFill>
               </a:rPr>
-              <a:t>There now exists an open source implementation of QDA for gender classification on human connectome estimates </a:t>
+              <a:t>The principled approach we took to this problem encourages us to believe the results we obtained</a:t>
             </a:r>
             <a:endParaRPr sz="3600">
               <a:solidFill>
@@ -2616,16 +2616,6 @@
             </a:endParaRPr>
           </a:p>
           <a:p>
-            <a:pPr lvl="0" algn="l">
-              <a:defRPr sz="1800"/>
-            </a:pPr>
-            <a:endParaRPr sz="3600">
-              <a:solidFill>
-                <a:srgbClr val="00FDFF"/>
-              </a:solidFill>
-            </a:endParaRPr>
-          </a:p>
-          <a:p>
             <a:pPr lvl="0" marL="444500" indent="-444500" algn="l">
               <a:buSzPct val="75000"/>
               <a:buChar char="•"/>
@@ -2637,7 +2627,7 @@
                   <a:srgbClr val="00FDFF"/>
                 </a:solidFill>
               </a:rPr>
-              <a:t>This is a building block for future studies which can expand the use of this classifier to other covariates</a:t>
+              <a:t>This is a building block for future studies which can leverage this domain knowledge to build better classifiers for more difficult covariates</a:t>
             </a:r>
           </a:p>
         </p:txBody>
@@ -3001,7 +2991,7 @@
                   <a:srgbClr val="00FDFF"/>
                 </a:solidFill>
               </a:rPr>
-              <a:t>Currently, no known open source gender (or other covariate) classifiers based on connectome analysis exist</a:t>
+              <a:t>Currently, no known open source sex (or other covariate) classifiers based on connectome analysis exist</a:t>
             </a:r>
           </a:p>
         </p:txBody>
@@ -3014,7 +3004,7 @@
         </p:nvSpPr>
         <p:spPr>
           <a:xfrm>
-            <a:off x="281288" y="9334500"/>
+            <a:off x="281288" y="9334499"/>
             <a:ext cx="12442224" cy="342901"/>
           </a:xfrm>
           <a:prstGeom prst="rect">
@@ -5356,8 +5346,8 @@
         </p:nvGrpSpPr>
         <p:grpSpPr>
           <a:xfrm>
-            <a:off x="5010378" y="1699440"/>
-            <a:ext cx="4044121" cy="6354720"/>
+            <a:off x="5010377" y="1699440"/>
+            <a:ext cx="4044122" cy="6354720"/>
             <a:chOff x="0" y="0"/>
             <a:chExt cx="4044120" cy="6354719"/>
           </a:xfrm>
@@ -5626,8 +5616,8 @@
         </p:blipFill>
         <p:spPr>
           <a:xfrm>
-            <a:off x="9803318" y="159051"/>
-            <a:ext cx="2654894" cy="7951101"/>
+            <a:off x="9803317" y="159051"/>
+            <a:ext cx="2654895" cy="7951101"/>
           </a:xfrm>
           <a:prstGeom prst="rect">
             <a:avLst/>
